--- a/Introduction on FHIR.pptx
+++ b/Introduction on FHIR.pptx
@@ -19082,7 +19082,7 @@
             </a:pPr>
             <a:r>
               <a:rPr lang="en-US"/>
-              <a:t>This is a sort version of the patient at this </a:t>
+              <a:t>This is a short version of the patient at this </a:t>
             </a:r>
             <a:r>
               <a:rPr lang="en-US" u="sng">
@@ -19913,15 +19913,14 @@
             <a:endParaRPr/>
           </a:p>
           <a:p>
-            <a:pPr indent="-355600" lvl="0" marL="457200" rtl="0" algn="l">
-              <a:spcBef>
-                <a:spcPts val="0"/>
-              </a:spcBef>
-              <a:spcAft>
-                <a:spcPts val="0"/>
-              </a:spcAft>
-              <a:buSzPts val="2000"/>
-              <a:buChar char="•"/>
+            <a:pPr indent="0" lvl="0" marL="0" rtl="0" algn="l">
+              <a:spcBef>
+                <a:spcPts val="1000"/>
+              </a:spcBef>
+              <a:spcAft>
+                <a:spcPts val="0"/>
+              </a:spcAft>
+              <a:buNone/>
             </a:pPr>
             <a:r>
               <a:t/>
@@ -21181,7 +21180,7 @@
             </a:pPr>
             <a:r>
               <a:rPr lang="en-US"/>
-              <a:t>Is the basis for clinical decision support systems</a:t>
+              <a:t>Future basis for clinical decision support systems</a:t>
             </a:r>
             <a:endParaRPr/>
           </a:p>
@@ -21402,16 +21401,7 @@
             </a:r>
             <a:r>
               <a:rPr lang="en-US"/>
-              <a:t>. link: </a:t>
-            </a:r>
-            <a:r>
-              <a:rPr lang="en-US" u="sng">
-                <a:solidFill>
-                  <a:schemeClr val="hlink"/>
-                </a:solidFill>
-                <a:hlinkClick r:id="rId3"/>
-              </a:rPr>
-              <a:t>https://hapi.fhir.org/home?serverId=home_r4&amp;pretty=true&amp;_summary=&amp;resource=</a:t>
+              <a:t>. </a:t>
             </a:r>
             <a:endParaRPr/>
           </a:p>
@@ -21426,7 +21416,17 @@
               <a:buNone/>
             </a:pPr>
             <a:r>
-              <a:t/>
+              <a:rPr lang="en-US"/>
+              <a:t>link: </a:t>
+            </a:r>
+            <a:r>
+              <a:rPr lang="en-US" u="sng">
+                <a:solidFill>
+                  <a:schemeClr val="hlink"/>
+                </a:solidFill>
+                <a:hlinkClick r:id="rId3"/>
+              </a:rPr>
+              <a:t>https://hapi.fhir.org/home?serverId=home_r4&amp;pretty=true&amp;_summary=&amp;resource=</a:t>
             </a:r>
             <a:endParaRPr/>
           </a:p>
